--- a/2차발표.pptx
+++ b/2차발표.pptx
@@ -4535,7 +4535,7 @@
           <p:nvPr>
             <p:extLst>
               <p:ext uri="{D42A27DB-BD31-4B8C-83A1-F6EECF244321}">
-                <p14:modId xmlns:p14="http://schemas.microsoft.com/office/powerpoint/2010/main" val="3397010618"/>
+                <p14:modId xmlns:p14="http://schemas.microsoft.com/office/powerpoint/2010/main" val="1725396665"/>
               </p:ext>
             </p:extLst>
           </p:nvPr>
@@ -5899,7 +5899,42 @@
                     <a:lstStyle/>
                     <a:p>
                       <a:pPr latinLnBrk="1"/>
-                      <a:endParaRPr lang="ko-KR" altLang="en-US" dirty="0"/>
+                      <a:r>
+                        <a:rPr lang="ko-KR" altLang="en-US" dirty="0"/>
+                        <a:t>타이틀</a:t>
+                      </a:r>
+                      <a:r>
+                        <a:rPr lang="en-US" altLang="ko-KR" dirty="0"/>
+                        <a:t>, </a:t>
+                      </a:r>
+                      <a:r>
+                        <a:rPr lang="ko-KR" altLang="en-US" dirty="0"/>
+                        <a:t>맵</a:t>
+                      </a:r>
+                      <a:r>
+                        <a:rPr lang="en-US" altLang="ko-KR" dirty="0"/>
+                        <a:t>, </a:t>
+                      </a:r>
+                      <a:r>
+                        <a:rPr lang="ko-KR" altLang="en-US" dirty="0"/>
+                        <a:t>캐릭터</a:t>
+                      </a:r>
+                      <a:r>
+                        <a:rPr lang="en-US" altLang="ko-KR" dirty="0"/>
+                        <a:t>, </a:t>
+                      </a:r>
+                      <a:r>
+                        <a:rPr lang="ko-KR" altLang="en-US" dirty="0"/>
+                        <a:t>캐릭터의 조작</a:t>
+                      </a:r>
+                      <a:r>
+                        <a:rPr lang="en-US" altLang="ko-KR" dirty="0"/>
+                        <a:t>, AI</a:t>
+                      </a:r>
+                      <a:r>
+                        <a:rPr lang="ko-KR" altLang="en-US" dirty="0"/>
+                        <a:t>의 출현 구현 </a:t>
+                      </a:r>
                     </a:p>
                   </a:txBody>
                   <a:tcPr>
